--- a/ppt/004 - DT.pptx
+++ b/ppt/004 - DT.pptx
@@ -5,7 +5,7 @@
     <p:sldMasterId id="2147483648" r:id="rId1"/>
   </p:sldMasterIdLst>
   <p:notesMasterIdLst>
-    <p:notesMasterId r:id="rId22"/>
+    <p:notesMasterId r:id="rId24"/>
   </p:notesMasterIdLst>
   <p:sldIdLst>
     <p:sldId id="257" r:id="rId2"/>
@@ -14,20 +14,22 @@
     <p:sldId id="273" r:id="rId5"/>
     <p:sldId id="283" r:id="rId6"/>
     <p:sldId id="282" r:id="rId7"/>
-    <p:sldId id="281" r:id="rId8"/>
-    <p:sldId id="290" r:id="rId9"/>
-    <p:sldId id="286" r:id="rId10"/>
-    <p:sldId id="284" r:id="rId11"/>
-    <p:sldId id="291" r:id="rId12"/>
-    <p:sldId id="285" r:id="rId13"/>
-    <p:sldId id="288" r:id="rId14"/>
-    <p:sldId id="271" r:id="rId15"/>
-    <p:sldId id="275" r:id="rId16"/>
-    <p:sldId id="277" r:id="rId17"/>
-    <p:sldId id="287" r:id="rId18"/>
-    <p:sldId id="279" r:id="rId19"/>
-    <p:sldId id="289" r:id="rId20"/>
-    <p:sldId id="278" r:id="rId21"/>
+    <p:sldId id="292" r:id="rId8"/>
+    <p:sldId id="281" r:id="rId9"/>
+    <p:sldId id="290" r:id="rId10"/>
+    <p:sldId id="286" r:id="rId11"/>
+    <p:sldId id="284" r:id="rId12"/>
+    <p:sldId id="291" r:id="rId13"/>
+    <p:sldId id="285" r:id="rId14"/>
+    <p:sldId id="288" r:id="rId15"/>
+    <p:sldId id="271" r:id="rId16"/>
+    <p:sldId id="275" r:id="rId17"/>
+    <p:sldId id="293" r:id="rId18"/>
+    <p:sldId id="277" r:id="rId19"/>
+    <p:sldId id="287" r:id="rId20"/>
+    <p:sldId id="279" r:id="rId21"/>
+    <p:sldId id="289" r:id="rId22"/>
+    <p:sldId id="278" r:id="rId23"/>
   </p:sldIdLst>
   <p:sldSz cx="12192000" cy="6858000"/>
   <p:notesSz cx="6858000" cy="9144000"/>
@@ -216,7 +218,7 @@
           <a:p>
             <a:fld id="{B14DF8D7-1679-4F99-BB47-148052D89939}" type="datetimeFigureOut">
               <a:rPr lang="en-US" smtClean="0"/>
-              <a:t>6/4/2023</a:t>
+              <a:t>6/25/2023</a:t>
             </a:fld>
             <a:endParaRPr lang="en-US"/>
           </a:p>
@@ -611,16 +613,7 @@
           <a:bodyPr/>
           <a:lstStyle/>
           <a:p>
-            <a:r>
-              <a:rPr lang="en-US" dirty="0"/>
-              <a:t>DT</a:t>
-            </a:r>
-          </a:p>
-          <a:p>
-            <a:r>
-              <a:rPr lang="en-US" dirty="0"/>
-              <a:t>depth = 6 vs 3</a:t>
-            </a:r>
+            <a:endParaRPr lang="en-US" dirty="0"/>
           </a:p>
         </p:txBody>
       </p:sp>
@@ -650,7 +643,7 @@
     </p:spTree>
     <p:extLst>
       <p:ext uri="{BB962C8B-B14F-4D97-AF65-F5344CB8AC3E}">
-        <p14:creationId xmlns:p14="http://schemas.microsoft.com/office/powerpoint/2010/main" val="1626690841"/>
+        <p14:creationId xmlns:p14="http://schemas.microsoft.com/office/powerpoint/2010/main" val="2455386991"/>
       </p:ext>
     </p:extLst>
   </p:cSld>
@@ -704,7 +697,16 @@
           <a:bodyPr/>
           <a:lstStyle/>
           <a:p>
-            <a:endParaRPr lang="en-US" dirty="0"/>
+            <a:r>
+              <a:rPr lang="en-US" dirty="0"/>
+              <a:t>DT</a:t>
+            </a:r>
+          </a:p>
+          <a:p>
+            <a:r>
+              <a:rPr lang="en-US" dirty="0"/>
+              <a:t>depth = 6 vs 3</a:t>
+            </a:r>
           </a:p>
         </p:txBody>
       </p:sp>
@@ -734,7 +736,7 @@
     </p:spTree>
     <p:extLst>
       <p:ext uri="{BB962C8B-B14F-4D97-AF65-F5344CB8AC3E}">
-        <p14:creationId xmlns:p14="http://schemas.microsoft.com/office/powerpoint/2010/main" val="266125652"/>
+        <p14:creationId xmlns:p14="http://schemas.microsoft.com/office/powerpoint/2010/main" val="1626690841"/>
       </p:ext>
     </p:extLst>
   </p:cSld>
@@ -818,7 +820,7 @@
     </p:spTree>
     <p:extLst>
       <p:ext uri="{BB962C8B-B14F-4D97-AF65-F5344CB8AC3E}">
-        <p14:creationId xmlns:p14="http://schemas.microsoft.com/office/powerpoint/2010/main" val="615041884"/>
+        <p14:creationId xmlns:p14="http://schemas.microsoft.com/office/powerpoint/2010/main" val="266125652"/>
       </p:ext>
     </p:extLst>
   </p:cSld>
@@ -872,16 +874,7 @@
           <a:bodyPr/>
           <a:lstStyle/>
           <a:p>
-            <a:r>
-              <a:rPr lang="en-US" dirty="0"/>
-              <a:t>DT</a:t>
-            </a:r>
-          </a:p>
-          <a:p>
-            <a:r>
-              <a:rPr lang="en-US" dirty="0"/>
-              <a:t>depth = 6 vs 3</a:t>
-            </a:r>
+            <a:endParaRPr lang="en-US" dirty="0"/>
           </a:p>
         </p:txBody>
       </p:sp>
@@ -911,7 +904,7 @@
     </p:spTree>
     <p:extLst>
       <p:ext uri="{BB962C8B-B14F-4D97-AF65-F5344CB8AC3E}">
-        <p14:creationId xmlns:p14="http://schemas.microsoft.com/office/powerpoint/2010/main" val="3972453876"/>
+        <p14:creationId xmlns:p14="http://schemas.microsoft.com/office/powerpoint/2010/main" val="615041884"/>
       </p:ext>
     </p:extLst>
   </p:cSld>
@@ -965,7 +958,16 @@
           <a:bodyPr/>
           <a:lstStyle/>
           <a:p>
-            <a:endParaRPr lang="en-US" dirty="0"/>
+            <a:r>
+              <a:rPr lang="en-US" dirty="0"/>
+              <a:t>DT</a:t>
+            </a:r>
+          </a:p>
+          <a:p>
+            <a:r>
+              <a:rPr lang="en-US" dirty="0"/>
+              <a:t>depth = 6 vs 3</a:t>
+            </a:r>
           </a:p>
         </p:txBody>
       </p:sp>
@@ -995,7 +997,7 @@
     </p:spTree>
     <p:extLst>
       <p:ext uri="{BB962C8B-B14F-4D97-AF65-F5344CB8AC3E}">
-        <p14:creationId xmlns:p14="http://schemas.microsoft.com/office/powerpoint/2010/main" val="3935970658"/>
+        <p14:creationId xmlns:p14="http://schemas.microsoft.com/office/powerpoint/2010/main" val="3972453876"/>
       </p:ext>
     </p:extLst>
   </p:cSld>
@@ -1049,27 +1051,7 @@
           <a:bodyPr/>
           <a:lstStyle/>
           <a:p>
-            <a:pPr marL="0" marR="0" lvl="0" indent="0" algn="l" defTabSz="914400" rtl="0" eaLnBrk="1" fontAlgn="auto" latinLnBrk="0" hangingPunct="1">
-              <a:lnSpc>
-                <a:spcPct val="100000"/>
-              </a:lnSpc>
-              <a:spcBef>
-                <a:spcPts val="0"/>
-              </a:spcBef>
-              <a:spcAft>
-                <a:spcPts val="0"/>
-              </a:spcAft>
-              <a:buClrTx/>
-              <a:buSzTx/>
-              <a:buFontTx/>
-              <a:buNone/>
-              <a:tabLst/>
-              <a:defRPr/>
-            </a:pPr>
-            <a:r>
-              <a:rPr lang="en-US" dirty="0"/>
-              <a:t>https://miro.com/app/board/uXjVMZythnw=/</a:t>
-            </a:r>
+            <a:endParaRPr lang="en-US" dirty="0"/>
           </a:p>
         </p:txBody>
       </p:sp>
@@ -1088,7 +1070,7 @@
           <a:bodyPr/>
           <a:lstStyle/>
           <a:p>
-            <a:fld id="{EB13A254-321F-4242-8B02-B8071F57B93D}" type="slidenum">
+            <a:fld id="{A5C26BFD-6A84-409B-8DC8-13B906D14B27}" type="slidenum">
               <a:rPr lang="en-US" smtClean="0"/>
               <a:t>15</a:t>
             </a:fld>
@@ -1099,7 +1081,7 @@
     </p:spTree>
     <p:extLst>
       <p:ext uri="{BB962C8B-B14F-4D97-AF65-F5344CB8AC3E}">
-        <p14:creationId xmlns:p14="http://schemas.microsoft.com/office/powerpoint/2010/main" val="1917100052"/>
+        <p14:creationId xmlns:p14="http://schemas.microsoft.com/office/powerpoint/2010/main" val="3935970658"/>
       </p:ext>
     </p:extLst>
   </p:cSld>
@@ -1153,7 +1135,27 @@
           <a:bodyPr/>
           <a:lstStyle/>
           <a:p>
-            <a:endParaRPr lang="en-US" dirty="0"/>
+            <a:pPr marL="0" marR="0" lvl="0" indent="0" algn="l" defTabSz="914400" rtl="0" eaLnBrk="1" fontAlgn="auto" latinLnBrk="0" hangingPunct="1">
+              <a:lnSpc>
+                <a:spcPct val="100000"/>
+              </a:lnSpc>
+              <a:spcBef>
+                <a:spcPts val="0"/>
+              </a:spcBef>
+              <a:spcAft>
+                <a:spcPts val="0"/>
+              </a:spcAft>
+              <a:buClrTx/>
+              <a:buSzTx/>
+              <a:buFontTx/>
+              <a:buNone/>
+              <a:tabLst/>
+              <a:defRPr/>
+            </a:pPr>
+            <a:r>
+              <a:rPr lang="en-US" dirty="0"/>
+              <a:t>https://miro.com/app/board/uXjVMZythnw=/</a:t>
+            </a:r>
           </a:p>
         </p:txBody>
       </p:sp>
@@ -1172,7 +1174,7 @@
           <a:bodyPr/>
           <a:lstStyle/>
           <a:p>
-            <a:fld id="{A5C26BFD-6A84-409B-8DC8-13B906D14B27}" type="slidenum">
+            <a:fld id="{EB13A254-321F-4242-8B02-B8071F57B93D}" type="slidenum">
               <a:rPr lang="en-US" smtClean="0"/>
               <a:t>16</a:t>
             </a:fld>
@@ -1183,7 +1185,7 @@
     </p:spTree>
     <p:extLst>
       <p:ext uri="{BB962C8B-B14F-4D97-AF65-F5344CB8AC3E}">
-        <p14:creationId xmlns:p14="http://schemas.microsoft.com/office/powerpoint/2010/main" val="1934676515"/>
+        <p14:creationId xmlns:p14="http://schemas.microsoft.com/office/powerpoint/2010/main" val="1917100052"/>
       </p:ext>
     </p:extLst>
   </p:cSld>
@@ -1256,7 +1258,7 @@
           <a:bodyPr/>
           <a:lstStyle/>
           <a:p>
-            <a:fld id="{A5C26BFD-6A84-409B-8DC8-13B906D14B27}" type="slidenum">
+            <a:fld id="{EB13A254-321F-4242-8B02-B8071F57B93D}" type="slidenum">
               <a:rPr lang="en-US" smtClean="0"/>
               <a:t>17</a:t>
             </a:fld>
@@ -1267,7 +1269,7 @@
     </p:spTree>
     <p:extLst>
       <p:ext uri="{BB962C8B-B14F-4D97-AF65-F5344CB8AC3E}">
-        <p14:creationId xmlns:p14="http://schemas.microsoft.com/office/powerpoint/2010/main" val="2223570069"/>
+        <p14:creationId xmlns:p14="http://schemas.microsoft.com/office/powerpoint/2010/main" val="2211298681"/>
       </p:ext>
     </p:extLst>
   </p:cSld>
@@ -1351,7 +1353,7 @@
     </p:spTree>
     <p:extLst>
       <p:ext uri="{BB962C8B-B14F-4D97-AF65-F5344CB8AC3E}">
-        <p14:creationId xmlns:p14="http://schemas.microsoft.com/office/powerpoint/2010/main" val="2333990438"/>
+        <p14:creationId xmlns:p14="http://schemas.microsoft.com/office/powerpoint/2010/main" val="1934676515"/>
       </p:ext>
     </p:extLst>
   </p:cSld>
@@ -1435,7 +1437,7 @@
     </p:spTree>
     <p:extLst>
       <p:ext uri="{BB962C8B-B14F-4D97-AF65-F5344CB8AC3E}">
-        <p14:creationId xmlns:p14="http://schemas.microsoft.com/office/powerpoint/2010/main" val="2004914928"/>
+        <p14:creationId xmlns:p14="http://schemas.microsoft.com/office/powerpoint/2010/main" val="2223570069"/>
       </p:ext>
     </p:extLst>
   </p:cSld>
@@ -1573,10 +1575,7 @@
           <a:bodyPr/>
           <a:lstStyle/>
           <a:p>
-            <a:r>
-              <a:rPr lang="en-US" dirty="0"/>
-              <a:t>tree based models in Google</a:t>
-            </a:r>
+            <a:endParaRPr lang="en-US" dirty="0"/>
           </a:p>
         </p:txBody>
       </p:sp>
@@ -1598,6 +1597,177 @@
             <a:fld id="{A5C26BFD-6A84-409B-8DC8-13B906D14B27}" type="slidenum">
               <a:rPr lang="en-US" smtClean="0"/>
               <a:t>20</a:t>
+            </a:fld>
+            <a:endParaRPr lang="en-US"/>
+          </a:p>
+        </p:txBody>
+      </p:sp>
+    </p:spTree>
+    <p:extLst>
+      <p:ext uri="{BB962C8B-B14F-4D97-AF65-F5344CB8AC3E}">
+        <p14:creationId xmlns:p14="http://schemas.microsoft.com/office/powerpoint/2010/main" val="2333990438"/>
+      </p:ext>
+    </p:extLst>
+  </p:cSld>
+  <p:clrMapOvr>
+    <a:masterClrMapping/>
+  </p:clrMapOvr>
+</p:notes>
+</file>
+
+<file path=ppt/notesSlides/notesSlide21.xml><?xml version="1.0" encoding="utf-8"?>
+<p:notes xmlns:a="http://schemas.openxmlformats.org/drawingml/2006/main" xmlns:r="http://schemas.openxmlformats.org/officeDocument/2006/relationships" xmlns:p="http://schemas.openxmlformats.org/presentationml/2006/main">
+  <p:cSld>
+    <p:spTree>
+      <p:nvGrpSpPr>
+        <p:cNvPr id="1" name=""/>
+        <p:cNvGrpSpPr/>
+        <p:nvPr/>
+      </p:nvGrpSpPr>
+      <p:grpSpPr>
+        <a:xfrm>
+          <a:off x="0" y="0"/>
+          <a:ext cx="0" cy="0"/>
+          <a:chOff x="0" y="0"/>
+          <a:chExt cx="0" cy="0"/>
+        </a:xfrm>
+      </p:grpSpPr>
+      <p:sp>
+        <p:nvSpPr>
+          <p:cNvPr id="2" name="Slide Image Placeholder 1"/>
+          <p:cNvSpPr>
+            <a:spLocks noGrp="1" noRot="1" noChangeAspect="1"/>
+          </p:cNvSpPr>
+          <p:nvPr>
+            <p:ph type="sldImg"/>
+          </p:nvPr>
+        </p:nvSpPr>
+        <p:spPr/>
+      </p:sp>
+      <p:sp>
+        <p:nvSpPr>
+          <p:cNvPr id="3" name="Notes Placeholder 2"/>
+          <p:cNvSpPr>
+            <a:spLocks noGrp="1"/>
+          </p:cNvSpPr>
+          <p:nvPr>
+            <p:ph type="body" idx="1"/>
+          </p:nvPr>
+        </p:nvSpPr>
+        <p:spPr/>
+        <p:txBody>
+          <a:bodyPr/>
+          <a:lstStyle/>
+          <a:p>
+            <a:endParaRPr lang="en-US" dirty="0"/>
+          </a:p>
+        </p:txBody>
+      </p:sp>
+      <p:sp>
+        <p:nvSpPr>
+          <p:cNvPr id="4" name="Slide Number Placeholder 3"/>
+          <p:cNvSpPr>
+            <a:spLocks noGrp="1"/>
+          </p:cNvSpPr>
+          <p:nvPr>
+            <p:ph type="sldNum" sz="quarter" idx="5"/>
+          </p:nvPr>
+        </p:nvSpPr>
+        <p:spPr/>
+        <p:txBody>
+          <a:bodyPr/>
+          <a:lstStyle/>
+          <a:p>
+            <a:fld id="{A5C26BFD-6A84-409B-8DC8-13B906D14B27}" type="slidenum">
+              <a:rPr lang="en-US" smtClean="0"/>
+              <a:t>21</a:t>
+            </a:fld>
+            <a:endParaRPr lang="en-US"/>
+          </a:p>
+        </p:txBody>
+      </p:sp>
+    </p:spTree>
+    <p:extLst>
+      <p:ext uri="{BB962C8B-B14F-4D97-AF65-F5344CB8AC3E}">
+        <p14:creationId xmlns:p14="http://schemas.microsoft.com/office/powerpoint/2010/main" val="2004914928"/>
+      </p:ext>
+    </p:extLst>
+  </p:cSld>
+  <p:clrMapOvr>
+    <a:masterClrMapping/>
+  </p:clrMapOvr>
+</p:notes>
+</file>
+
+<file path=ppt/notesSlides/notesSlide22.xml><?xml version="1.0" encoding="utf-8"?>
+<p:notes xmlns:a="http://schemas.openxmlformats.org/drawingml/2006/main" xmlns:r="http://schemas.openxmlformats.org/officeDocument/2006/relationships" xmlns:p="http://schemas.openxmlformats.org/presentationml/2006/main">
+  <p:cSld>
+    <p:spTree>
+      <p:nvGrpSpPr>
+        <p:cNvPr id="1" name=""/>
+        <p:cNvGrpSpPr/>
+        <p:nvPr/>
+      </p:nvGrpSpPr>
+      <p:grpSpPr>
+        <a:xfrm>
+          <a:off x="0" y="0"/>
+          <a:ext cx="0" cy="0"/>
+          <a:chOff x="0" y="0"/>
+          <a:chExt cx="0" cy="0"/>
+        </a:xfrm>
+      </p:grpSpPr>
+      <p:sp>
+        <p:nvSpPr>
+          <p:cNvPr id="2" name="Slide Image Placeholder 1"/>
+          <p:cNvSpPr>
+            <a:spLocks noGrp="1" noRot="1" noChangeAspect="1"/>
+          </p:cNvSpPr>
+          <p:nvPr>
+            <p:ph type="sldImg"/>
+          </p:nvPr>
+        </p:nvSpPr>
+        <p:spPr/>
+      </p:sp>
+      <p:sp>
+        <p:nvSpPr>
+          <p:cNvPr id="3" name="Notes Placeholder 2"/>
+          <p:cNvSpPr>
+            <a:spLocks noGrp="1"/>
+          </p:cNvSpPr>
+          <p:nvPr>
+            <p:ph type="body" idx="1"/>
+          </p:nvPr>
+        </p:nvSpPr>
+        <p:spPr/>
+        <p:txBody>
+          <a:bodyPr/>
+          <a:lstStyle/>
+          <a:p>
+            <a:r>
+              <a:rPr lang="en-US" dirty="0"/>
+              <a:t>tree based models in Google</a:t>
+            </a:r>
+          </a:p>
+        </p:txBody>
+      </p:sp>
+      <p:sp>
+        <p:nvSpPr>
+          <p:cNvPr id="4" name="Slide Number Placeholder 3"/>
+          <p:cNvSpPr>
+            <a:spLocks noGrp="1"/>
+          </p:cNvSpPr>
+          <p:nvPr>
+            <p:ph type="sldNum" sz="quarter" idx="5"/>
+          </p:nvPr>
+        </p:nvSpPr>
+        <p:spPr/>
+        <p:txBody>
+          <a:bodyPr/>
+          <a:lstStyle/>
+          <a:p>
+            <a:fld id="{A5C26BFD-6A84-409B-8DC8-13B906D14B27}" type="slidenum">
+              <a:rPr lang="en-US" smtClean="0"/>
+              <a:t>22</a:t>
             </a:fld>
             <a:endParaRPr lang="en-US"/>
           </a:p>
@@ -2026,7 +2196,7 @@
     </p:spTree>
     <p:extLst>
       <p:ext uri="{BB962C8B-B14F-4D97-AF65-F5344CB8AC3E}">
-        <p14:creationId xmlns:p14="http://schemas.microsoft.com/office/powerpoint/2010/main" val="1065993016"/>
+        <p14:creationId xmlns:p14="http://schemas.microsoft.com/office/powerpoint/2010/main" val="1108144298"/>
       </p:ext>
     </p:extLst>
   </p:cSld>
@@ -2110,7 +2280,7 @@
     </p:spTree>
     <p:extLst>
       <p:ext uri="{BB962C8B-B14F-4D97-AF65-F5344CB8AC3E}">
-        <p14:creationId xmlns:p14="http://schemas.microsoft.com/office/powerpoint/2010/main" val="3968496244"/>
+        <p14:creationId xmlns:p14="http://schemas.microsoft.com/office/powerpoint/2010/main" val="1065993016"/>
       </p:ext>
     </p:extLst>
   </p:cSld>
@@ -2194,7 +2364,7 @@
     </p:spTree>
     <p:extLst>
       <p:ext uri="{BB962C8B-B14F-4D97-AF65-F5344CB8AC3E}">
-        <p14:creationId xmlns:p14="http://schemas.microsoft.com/office/powerpoint/2010/main" val="2455386991"/>
+        <p14:creationId xmlns:p14="http://schemas.microsoft.com/office/powerpoint/2010/main" val="3968496244"/>
       </p:ext>
     </p:extLst>
   </p:cSld>
@@ -2351,7 +2521,7 @@
           <a:p>
             <a:fld id="{1B0A4418-D162-4E2A-BE07-D82D1653D0D7}" type="datetimeFigureOut">
               <a:rPr lang="en-US" smtClean="0"/>
-              <a:t>6/4/2023</a:t>
+              <a:t>6/25/2023</a:t>
             </a:fld>
             <a:endParaRPr lang="en-US"/>
           </a:p>
@@ -2549,7 +2719,7 @@
           <a:p>
             <a:fld id="{1B0A4418-D162-4E2A-BE07-D82D1653D0D7}" type="datetimeFigureOut">
               <a:rPr lang="en-US" smtClean="0"/>
-              <a:t>6/4/2023</a:t>
+              <a:t>6/25/2023</a:t>
             </a:fld>
             <a:endParaRPr lang="en-US"/>
           </a:p>
@@ -2757,7 +2927,7 @@
           <a:p>
             <a:fld id="{1B0A4418-D162-4E2A-BE07-D82D1653D0D7}" type="datetimeFigureOut">
               <a:rPr lang="en-US" smtClean="0"/>
-              <a:t>6/4/2023</a:t>
+              <a:t>6/25/2023</a:t>
             </a:fld>
             <a:endParaRPr lang="en-US"/>
           </a:p>
@@ -2955,7 +3125,7 @@
           <a:p>
             <a:fld id="{1B0A4418-D162-4E2A-BE07-D82D1653D0D7}" type="datetimeFigureOut">
               <a:rPr lang="en-US" smtClean="0"/>
-              <a:t>6/4/2023</a:t>
+              <a:t>6/25/2023</a:t>
             </a:fld>
             <a:endParaRPr lang="en-US"/>
           </a:p>
@@ -3230,7 +3400,7 @@
           <a:p>
             <a:fld id="{1B0A4418-D162-4E2A-BE07-D82D1653D0D7}" type="datetimeFigureOut">
               <a:rPr lang="en-US" smtClean="0"/>
-              <a:t>6/4/2023</a:t>
+              <a:t>6/25/2023</a:t>
             </a:fld>
             <a:endParaRPr lang="en-US"/>
           </a:p>
@@ -3495,7 +3665,7 @@
           <a:p>
             <a:fld id="{1B0A4418-D162-4E2A-BE07-D82D1653D0D7}" type="datetimeFigureOut">
               <a:rPr lang="en-US" smtClean="0"/>
-              <a:t>6/4/2023</a:t>
+              <a:t>6/25/2023</a:t>
             </a:fld>
             <a:endParaRPr lang="en-US"/>
           </a:p>
@@ -3907,7 +4077,7 @@
           <a:p>
             <a:fld id="{1B0A4418-D162-4E2A-BE07-D82D1653D0D7}" type="datetimeFigureOut">
               <a:rPr lang="en-US" smtClean="0"/>
-              <a:t>6/4/2023</a:t>
+              <a:t>6/25/2023</a:t>
             </a:fld>
             <a:endParaRPr lang="en-US"/>
           </a:p>
@@ -4048,7 +4218,7 @@
           <a:p>
             <a:fld id="{1B0A4418-D162-4E2A-BE07-D82D1653D0D7}" type="datetimeFigureOut">
               <a:rPr lang="en-US" smtClean="0"/>
-              <a:t>6/4/2023</a:t>
+              <a:t>6/25/2023</a:t>
             </a:fld>
             <a:endParaRPr lang="en-US"/>
           </a:p>
@@ -4161,7 +4331,7 @@
           <a:p>
             <a:fld id="{1B0A4418-D162-4E2A-BE07-D82D1653D0D7}" type="datetimeFigureOut">
               <a:rPr lang="en-US" smtClean="0"/>
-              <a:t>6/4/2023</a:t>
+              <a:t>6/25/2023</a:t>
             </a:fld>
             <a:endParaRPr lang="en-US"/>
           </a:p>
@@ -4472,7 +4642,7 @@
           <a:p>
             <a:fld id="{1B0A4418-D162-4E2A-BE07-D82D1653D0D7}" type="datetimeFigureOut">
               <a:rPr lang="en-US" smtClean="0"/>
-              <a:t>6/4/2023</a:t>
+              <a:t>6/25/2023</a:t>
             </a:fld>
             <a:endParaRPr lang="en-US"/>
           </a:p>
@@ -4760,7 +4930,7 @@
           <a:p>
             <a:fld id="{1B0A4418-D162-4E2A-BE07-D82D1653D0D7}" type="datetimeFigureOut">
               <a:rPr lang="en-US" smtClean="0"/>
-              <a:t>6/4/2023</a:t>
+              <a:t>6/25/2023</a:t>
             </a:fld>
             <a:endParaRPr lang="en-US"/>
           </a:p>
@@ -5001,7 +5171,7 @@
           <a:p>
             <a:fld id="{1B0A4418-D162-4E2A-BE07-D82D1653D0D7}" type="datetimeFigureOut">
               <a:rPr lang="en-US" smtClean="0"/>
-              <a:t>6/4/2023</a:t>
+              <a:t>6/25/2023</a:t>
             </a:fld>
             <a:endParaRPr lang="en-US"/>
           </a:p>
@@ -6152,6 +6322,169 @@
           </a:p>
         </p:txBody>
       </p:sp>
+      <p:pic>
+        <p:nvPicPr>
+          <p:cNvPr id="5" name="Picture 4">
+            <a:extLst>
+              <a:ext uri="{FF2B5EF4-FFF2-40B4-BE49-F238E27FC236}">
+                <a16:creationId xmlns:a16="http://schemas.microsoft.com/office/drawing/2014/main" id="{048CB0BE-D514-A7B9-92EC-80EBF2B7180A}"/>
+              </a:ext>
+            </a:extLst>
+          </p:cNvPr>
+          <p:cNvPicPr>
+            <a:picLocks noChangeAspect="1"/>
+          </p:cNvPicPr>
+          <p:nvPr/>
+        </p:nvPicPr>
+        <p:blipFill>
+          <a:blip r:embed="rId3"/>
+          <a:stretch>
+            <a:fillRect/>
+          </a:stretch>
+        </p:blipFill>
+        <p:spPr>
+          <a:xfrm>
+            <a:off x="176443" y="1407701"/>
+            <a:ext cx="11703193" cy="5225520"/>
+          </a:xfrm>
+          <a:prstGeom prst="rect">
+            <a:avLst/>
+          </a:prstGeom>
+        </p:spPr>
+      </p:pic>
+      <p:sp>
+        <p:nvSpPr>
+          <p:cNvPr id="2" name="TextBox 1">
+            <a:extLst>
+              <a:ext uri="{FF2B5EF4-FFF2-40B4-BE49-F238E27FC236}">
+                <a16:creationId xmlns:a16="http://schemas.microsoft.com/office/drawing/2014/main" id="{1E5C00F0-5262-FF11-94EC-064E0A60D897}"/>
+              </a:ext>
+            </a:extLst>
+          </p:cNvPr>
+          <p:cNvSpPr txBox="1"/>
+          <p:nvPr/>
+        </p:nvSpPr>
+        <p:spPr>
+          <a:xfrm flipH="1">
+            <a:off x="524927" y="562595"/>
+            <a:ext cx="9869139" cy="523220"/>
+          </a:xfrm>
+          <a:prstGeom prst="rect">
+            <a:avLst/>
+          </a:prstGeom>
+          <a:noFill/>
+        </p:spPr>
+        <p:txBody>
+          <a:bodyPr wrap="square" rtlCol="0">
+            <a:spAutoFit/>
+          </a:bodyPr>
+          <a:lstStyle/>
+          <a:p>
+            <a:r>
+              <a:rPr lang="en-US" sz="2800" dirty="0">
+                <a:latin typeface="mononoki NF" panose="00000809000000000000" pitchFamily="50" charset="0"/>
+              </a:rPr>
+              <a:t>Classifier (binary)</a:t>
+            </a:r>
+          </a:p>
+        </p:txBody>
+      </p:sp>
+    </p:spTree>
+    <p:extLst>
+      <p:ext uri="{BB962C8B-B14F-4D97-AF65-F5344CB8AC3E}">
+        <p14:creationId xmlns:p14="http://schemas.microsoft.com/office/powerpoint/2010/main" val="4164186841"/>
+      </p:ext>
+    </p:extLst>
+  </p:cSld>
+  <p:clrMapOvr>
+    <a:masterClrMapping/>
+  </p:clrMapOvr>
+</p:sld>
+</file>
+
+<file path=ppt/slides/slide11.xml><?xml version="1.0" encoding="utf-8"?>
+<p:sld xmlns:a="http://schemas.openxmlformats.org/drawingml/2006/main" xmlns:r="http://schemas.openxmlformats.org/officeDocument/2006/relationships" xmlns:p="http://schemas.openxmlformats.org/presentationml/2006/main">
+  <p:cSld>
+    <p:spTree>
+      <p:nvGrpSpPr>
+        <p:cNvPr id="1" name=""/>
+        <p:cNvGrpSpPr/>
+        <p:nvPr/>
+      </p:nvGrpSpPr>
+      <p:grpSpPr>
+        <a:xfrm>
+          <a:off x="0" y="0"/>
+          <a:ext cx="0" cy="0"/>
+          <a:chOff x="0" y="0"/>
+          <a:chExt cx="0" cy="0"/>
+        </a:xfrm>
+      </p:grpSpPr>
+      <p:sp>
+        <p:nvSpPr>
+          <p:cNvPr id="4" name="Google Shape;28;p4">
+            <a:extLst>
+              <a:ext uri="{FF2B5EF4-FFF2-40B4-BE49-F238E27FC236}">
+                <a16:creationId xmlns:a16="http://schemas.microsoft.com/office/drawing/2014/main" id="{AE8634E0-9714-33FD-74AA-29D70D636836}"/>
+              </a:ext>
+            </a:extLst>
+          </p:cNvPr>
+          <p:cNvSpPr txBox="1"/>
+          <p:nvPr/>
+        </p:nvSpPr>
+        <p:spPr>
+          <a:xfrm>
+            <a:off x="369202" y="134245"/>
+            <a:ext cx="5390154" cy="251072"/>
+          </a:xfrm>
+          <a:prstGeom prst="rect">
+            <a:avLst/>
+          </a:prstGeom>
+          <a:noFill/>
+          <a:ln>
+            <a:noFill/>
+          </a:ln>
+        </p:spPr>
+        <p:txBody>
+          <a:bodyPr spcFirstLastPara="1" wrap="square" lIns="91425" tIns="45700" rIns="91425" bIns="45700" anchor="ctr" anchorCtr="0">
+            <a:noAutofit/>
+          </a:bodyPr>
+          <a:lstStyle/>
+          <a:p>
+            <a:pPr marL="0" marR="0" lvl="0" indent="0" algn="l" rtl="0">
+              <a:lnSpc>
+                <a:spcPct val="100000"/>
+              </a:lnSpc>
+              <a:spcBef>
+                <a:spcPts val="0"/>
+              </a:spcBef>
+              <a:spcAft>
+                <a:spcPts val="0"/>
+              </a:spcAft>
+              <a:buClr>
+                <a:schemeClr val="lt1"/>
+              </a:buClr>
+              <a:buSzPts val="1200"/>
+              <a:buFont typeface="Calibri"/>
+              <a:buNone/>
+            </a:pPr>
+            <a:r>
+              <a:rPr lang="en-US" sz="1200" dirty="0">
+                <a:latin typeface="Calibri"/>
+                <a:ea typeface="Arial"/>
+                <a:cs typeface="Calibri"/>
+                <a:sym typeface="Calibri"/>
+              </a:rPr>
+              <a:t>my humble ML course</a:t>
+            </a:r>
+            <a:endParaRPr lang="en-US" sz="1400" b="0" i="0" u="none" strike="noStrike" cap="none" dirty="0">
+              <a:latin typeface="Arial"/>
+              <a:ea typeface="Arial"/>
+              <a:cs typeface="Arial"/>
+              <a:sym typeface="Arial"/>
+            </a:endParaRPr>
+          </a:p>
+        </p:txBody>
+      </p:sp>
       <p:sp>
         <p:nvSpPr>
           <p:cNvPr id="14" name="TextBox 13">
@@ -6270,7 +6603,7 @@
 </p:sld>
 </file>
 
-<file path=ppt/slides/slide11.xml><?xml version="1.0" encoding="utf-8"?>
+<file path=ppt/slides/slide12.xml><?xml version="1.0" encoding="utf-8"?>
 <p:sld xmlns:a="http://schemas.openxmlformats.org/drawingml/2006/main" xmlns:r="http://schemas.openxmlformats.org/officeDocument/2006/relationships" xmlns:p="http://schemas.openxmlformats.org/presentationml/2006/main">
   <p:cSld>
     <p:spTree>
@@ -6433,7 +6766,7 @@
 </p:sld>
 </file>
 
-<file path=ppt/slides/slide12.xml><?xml version="1.0" encoding="utf-8"?>
+<file path=ppt/slides/slide13.xml><?xml version="1.0" encoding="utf-8"?>
 <p:sld xmlns:a="http://schemas.openxmlformats.org/drawingml/2006/main" xmlns:r="http://schemas.openxmlformats.org/officeDocument/2006/relationships" xmlns:p="http://schemas.openxmlformats.org/presentationml/2006/main">
   <p:cSld>
     <p:spTree>
@@ -6596,7 +6929,7 @@
 </p:sld>
 </file>
 
-<file path=ppt/slides/slide13.xml><?xml version="1.0" encoding="utf-8"?>
+<file path=ppt/slides/slide14.xml><?xml version="1.0" encoding="utf-8"?>
 <p:sld xmlns:a="http://schemas.openxmlformats.org/drawingml/2006/main" xmlns:r="http://schemas.openxmlformats.org/officeDocument/2006/relationships" xmlns:p="http://schemas.openxmlformats.org/presentationml/2006/main">
   <p:cSld>
     <p:spTree>
@@ -6816,7 +7149,7 @@
 </p:sld>
 </file>
 
-<file path=ppt/slides/slide14.xml><?xml version="1.0" encoding="utf-8"?>
+<file path=ppt/slides/slide15.xml><?xml version="1.0" encoding="utf-8"?>
 <p:sld xmlns:a="http://schemas.openxmlformats.org/drawingml/2006/main" xmlns:r="http://schemas.openxmlformats.org/officeDocument/2006/relationships" xmlns:p="http://schemas.openxmlformats.org/presentationml/2006/main">
   <p:cSld>
     <p:spTree>
@@ -6994,7 +7327,7 @@
 </p:sld>
 </file>
 
-<file path=ppt/slides/slide15.xml><?xml version="1.0" encoding="utf-8"?>
+<file path=ppt/slides/slide16.xml><?xml version="1.0" encoding="utf-8"?>
 <p:sld xmlns:a="http://schemas.openxmlformats.org/drawingml/2006/main" xmlns:r="http://schemas.openxmlformats.org/officeDocument/2006/relationships" xmlns:p="http://schemas.openxmlformats.org/presentationml/2006/main">
   <p:cSld>
     <p:spTree>
@@ -7204,7 +7537,212 @@
 </p:sld>
 </file>
 
-<file path=ppt/slides/slide16.xml><?xml version="1.0" encoding="utf-8"?>
+<file path=ppt/slides/slide17.xml><?xml version="1.0" encoding="utf-8"?>
+<p:sld xmlns:a="http://schemas.openxmlformats.org/drawingml/2006/main" xmlns:r="http://schemas.openxmlformats.org/officeDocument/2006/relationships" xmlns:p="http://schemas.openxmlformats.org/presentationml/2006/main">
+  <p:cSld>
+    <p:spTree>
+      <p:nvGrpSpPr>
+        <p:cNvPr id="1" name=""/>
+        <p:cNvGrpSpPr/>
+        <p:nvPr/>
+      </p:nvGrpSpPr>
+      <p:grpSpPr>
+        <a:xfrm>
+          <a:off x="0" y="0"/>
+          <a:ext cx="0" cy="0"/>
+          <a:chOff x="0" y="0"/>
+          <a:chExt cx="0" cy="0"/>
+        </a:xfrm>
+      </p:grpSpPr>
+      <p:sp>
+        <p:nvSpPr>
+          <p:cNvPr id="2" name="Title 1">
+            <a:extLst>
+              <a:ext uri="{FF2B5EF4-FFF2-40B4-BE49-F238E27FC236}">
+                <a16:creationId xmlns:a16="http://schemas.microsoft.com/office/drawing/2014/main" id="{9AFBB971-6868-D853-B68F-1D0E07B7963A}"/>
+              </a:ext>
+            </a:extLst>
+          </p:cNvPr>
+          <p:cNvSpPr>
+            <a:spLocks noGrp="1"/>
+          </p:cNvSpPr>
+          <p:nvPr>
+            <p:ph type="ctrTitle"/>
+          </p:nvPr>
+        </p:nvSpPr>
+        <p:spPr>
+          <a:xfrm>
+            <a:off x="1523999" y="868362"/>
+            <a:ext cx="9144000" cy="2129481"/>
+          </a:xfrm>
+        </p:spPr>
+        <p:txBody>
+          <a:bodyPr>
+            <a:normAutofit/>
+          </a:bodyPr>
+          <a:lstStyle/>
+          <a:p>
+            <a:r>
+              <a:rPr lang="en-US" sz="5400" dirty="0">
+                <a:latin typeface="mononoki NF" panose="00000809000000000000" pitchFamily="50" charset="0"/>
+              </a:rPr>
+              <a:t>C4 – DT growing algorithm</a:t>
+            </a:r>
+          </a:p>
+        </p:txBody>
+      </p:sp>
+      <p:sp>
+        <p:nvSpPr>
+          <p:cNvPr id="3" name="Subtitle 2">
+            <a:extLst>
+              <a:ext uri="{FF2B5EF4-FFF2-40B4-BE49-F238E27FC236}">
+                <a16:creationId xmlns:a16="http://schemas.microsoft.com/office/drawing/2014/main" id="{4CBA92BB-E6A9-F414-13A9-0B420849E6EC}"/>
+              </a:ext>
+            </a:extLst>
+          </p:cNvPr>
+          <p:cNvSpPr>
+            <a:spLocks noGrp="1"/>
+          </p:cNvSpPr>
+          <p:nvPr>
+            <p:ph type="subTitle" idx="1"/>
+          </p:nvPr>
+        </p:nvSpPr>
+        <p:spPr/>
+        <p:txBody>
+          <a:bodyPr/>
+          <a:lstStyle/>
+          <a:p>
+            <a:endParaRPr lang="en-US" dirty="0"/>
+          </a:p>
+        </p:txBody>
+      </p:sp>
+      <p:sp>
+        <p:nvSpPr>
+          <p:cNvPr id="4" name="Google Shape;28;p4">
+            <a:extLst>
+              <a:ext uri="{FF2B5EF4-FFF2-40B4-BE49-F238E27FC236}">
+                <a16:creationId xmlns:a16="http://schemas.microsoft.com/office/drawing/2014/main" id="{AE8634E0-9714-33FD-74AA-29D70D636836}"/>
+              </a:ext>
+            </a:extLst>
+          </p:cNvPr>
+          <p:cNvSpPr txBox="1"/>
+          <p:nvPr/>
+        </p:nvSpPr>
+        <p:spPr>
+          <a:xfrm>
+            <a:off x="369202" y="134245"/>
+            <a:ext cx="5390154" cy="251072"/>
+          </a:xfrm>
+          <a:prstGeom prst="rect">
+            <a:avLst/>
+          </a:prstGeom>
+          <a:noFill/>
+          <a:ln>
+            <a:noFill/>
+          </a:ln>
+        </p:spPr>
+        <p:txBody>
+          <a:bodyPr spcFirstLastPara="1" wrap="square" lIns="91425" tIns="45700" rIns="91425" bIns="45700" anchor="ctr" anchorCtr="0">
+            <a:noAutofit/>
+          </a:bodyPr>
+          <a:lstStyle/>
+          <a:p>
+            <a:pPr marL="0" marR="0" lvl="0" indent="0" algn="l" rtl="0">
+              <a:lnSpc>
+                <a:spcPct val="100000"/>
+              </a:lnSpc>
+              <a:spcBef>
+                <a:spcPts val="0"/>
+              </a:spcBef>
+              <a:spcAft>
+                <a:spcPts val="0"/>
+              </a:spcAft>
+              <a:buClr>
+                <a:schemeClr val="lt1"/>
+              </a:buClr>
+              <a:buSzPts val="1200"/>
+              <a:buFont typeface="Calibri"/>
+              <a:buNone/>
+            </a:pPr>
+            <a:r>
+              <a:rPr lang="en-US" sz="1200" dirty="0">
+                <a:latin typeface="Calibri"/>
+                <a:ea typeface="Arial"/>
+                <a:cs typeface="Calibri"/>
+                <a:sym typeface="Calibri"/>
+              </a:rPr>
+              <a:t>my humble ML course</a:t>
+            </a:r>
+            <a:endParaRPr sz="1400" b="0" i="0" u="none" strike="noStrike" cap="none" dirty="0">
+              <a:latin typeface="Arial"/>
+              <a:ea typeface="Arial"/>
+              <a:cs typeface="Arial"/>
+              <a:sym typeface="Arial"/>
+            </a:endParaRPr>
+          </a:p>
+        </p:txBody>
+      </p:sp>
+      <p:pic>
+        <p:nvPicPr>
+          <p:cNvPr id="2050" name="Picture 2" descr="Basic structure of a decision tree. All decision trees are built... |  Download Scientific Diagram">
+            <a:extLst>
+              <a:ext uri="{FF2B5EF4-FFF2-40B4-BE49-F238E27FC236}">
+                <a16:creationId xmlns:a16="http://schemas.microsoft.com/office/drawing/2014/main" id="{358062DB-AE51-AA0D-DC25-DFC7A0F61E24}"/>
+              </a:ext>
+            </a:extLst>
+          </p:cNvPr>
+          <p:cNvPicPr>
+            <a:picLocks noChangeAspect="1" noChangeArrowheads="1"/>
+          </p:cNvPicPr>
+          <p:nvPr/>
+        </p:nvPicPr>
+        <p:blipFill>
+          <a:blip r:embed="rId3">
+            <a:extLst>
+              <a:ext uri="{28A0092B-C50C-407E-A947-70E740481C1C}">
+                <a14:useLocalDpi xmlns:a14="http://schemas.microsoft.com/office/drawing/2010/main" val="0"/>
+              </a:ext>
+            </a:extLst>
+          </a:blip>
+          <a:srcRect/>
+          <a:stretch>
+            <a:fillRect/>
+          </a:stretch>
+        </p:blipFill>
+        <p:spPr bwMode="auto">
+          <a:xfrm>
+            <a:off x="3722120" y="3395368"/>
+            <a:ext cx="4747760" cy="3322766"/>
+          </a:xfrm>
+          <a:prstGeom prst="rect">
+            <a:avLst/>
+          </a:prstGeom>
+          <a:noFill/>
+          <a:extLst>
+            <a:ext uri="{909E8E84-426E-40DD-AFC4-6F175D3DCCD1}">
+              <a14:hiddenFill xmlns:a14="http://schemas.microsoft.com/office/drawing/2010/main">
+                <a:solidFill>
+                  <a:srgbClr val="FFFFFF"/>
+                </a:solidFill>
+              </a14:hiddenFill>
+            </a:ext>
+          </a:extLst>
+        </p:spPr>
+      </p:pic>
+    </p:spTree>
+    <p:extLst>
+      <p:ext uri="{BB962C8B-B14F-4D97-AF65-F5344CB8AC3E}">
+        <p14:creationId xmlns:p14="http://schemas.microsoft.com/office/powerpoint/2010/main" val="2105250439"/>
+      </p:ext>
+    </p:extLst>
+  </p:cSld>
+  <p:clrMapOvr>
+    <a:masterClrMapping/>
+  </p:clrMapOvr>
+</p:sld>
+</file>
+
+<file path=ppt/slides/slide18.xml><?xml version="1.0" encoding="utf-8"?>
 <p:sld xmlns:a="http://schemas.openxmlformats.org/drawingml/2006/main" xmlns:r="http://schemas.openxmlformats.org/officeDocument/2006/relationships" xmlns:p="http://schemas.openxmlformats.org/presentationml/2006/main">
   <p:cSld>
     <p:spTree>
@@ -7432,7 +7970,7 @@
 </p:sld>
 </file>
 
-<file path=ppt/slides/slide17.xml><?xml version="1.0" encoding="utf-8"?>
+<file path=ppt/slides/slide19.xml><?xml version="1.0" encoding="utf-8"?>
 <p:sld xmlns:a="http://schemas.openxmlformats.org/drawingml/2006/main" xmlns:r="http://schemas.openxmlformats.org/officeDocument/2006/relationships" xmlns:p="http://schemas.openxmlformats.org/presentationml/2006/main">
   <p:cSld>
     <p:spTree>
@@ -7668,342 +8206,6 @@
     <p:extLst>
       <p:ext uri="{BB962C8B-B14F-4D97-AF65-F5344CB8AC3E}">
         <p14:creationId xmlns:p14="http://schemas.microsoft.com/office/powerpoint/2010/main" val="2360267998"/>
-      </p:ext>
-    </p:extLst>
-  </p:cSld>
-  <p:clrMapOvr>
-    <a:masterClrMapping/>
-  </p:clrMapOvr>
-</p:sld>
-</file>
-
-<file path=ppt/slides/slide18.xml><?xml version="1.0" encoding="utf-8"?>
-<p:sld xmlns:a="http://schemas.openxmlformats.org/drawingml/2006/main" xmlns:r="http://schemas.openxmlformats.org/officeDocument/2006/relationships" xmlns:p="http://schemas.openxmlformats.org/presentationml/2006/main">
-  <p:cSld>
-    <p:spTree>
-      <p:nvGrpSpPr>
-        <p:cNvPr id="1" name=""/>
-        <p:cNvGrpSpPr/>
-        <p:nvPr/>
-      </p:nvGrpSpPr>
-      <p:grpSpPr>
-        <a:xfrm>
-          <a:off x="0" y="0"/>
-          <a:ext cx="0" cy="0"/>
-          <a:chOff x="0" y="0"/>
-          <a:chExt cx="0" cy="0"/>
-        </a:xfrm>
-      </p:grpSpPr>
-      <p:sp>
-        <p:nvSpPr>
-          <p:cNvPr id="4" name="Google Shape;28;p4">
-            <a:extLst>
-              <a:ext uri="{FF2B5EF4-FFF2-40B4-BE49-F238E27FC236}">
-                <a16:creationId xmlns:a16="http://schemas.microsoft.com/office/drawing/2014/main" id="{AE8634E0-9714-33FD-74AA-29D70D636836}"/>
-              </a:ext>
-            </a:extLst>
-          </p:cNvPr>
-          <p:cNvSpPr txBox="1"/>
-          <p:nvPr/>
-        </p:nvSpPr>
-        <p:spPr>
-          <a:xfrm>
-            <a:off x="369202" y="134245"/>
-            <a:ext cx="5390154" cy="251072"/>
-          </a:xfrm>
-          <a:prstGeom prst="rect">
-            <a:avLst/>
-          </a:prstGeom>
-          <a:noFill/>
-          <a:ln>
-            <a:noFill/>
-          </a:ln>
-        </p:spPr>
-        <p:txBody>
-          <a:bodyPr spcFirstLastPara="1" wrap="square" lIns="91425" tIns="45700" rIns="91425" bIns="45700" anchor="ctr" anchorCtr="0">
-            <a:noAutofit/>
-          </a:bodyPr>
-          <a:lstStyle/>
-          <a:p>
-            <a:pPr marL="0" marR="0" lvl="0" indent="0" algn="l" rtl="0">
-              <a:lnSpc>
-                <a:spcPct val="100000"/>
-              </a:lnSpc>
-              <a:spcBef>
-                <a:spcPts val="0"/>
-              </a:spcBef>
-              <a:spcAft>
-                <a:spcPts val="0"/>
-              </a:spcAft>
-              <a:buClr>
-                <a:schemeClr val="lt1"/>
-              </a:buClr>
-              <a:buSzPts val="1200"/>
-              <a:buFont typeface="Calibri"/>
-              <a:buNone/>
-            </a:pPr>
-            <a:r>
-              <a:rPr lang="en-US" sz="1200" dirty="0">
-                <a:latin typeface="Calibri"/>
-                <a:ea typeface="Arial"/>
-                <a:cs typeface="Calibri"/>
-                <a:sym typeface="Calibri"/>
-              </a:rPr>
-              <a:t>my humble ML course</a:t>
-            </a:r>
-            <a:endParaRPr lang="en-US" sz="1400" b="0" i="0" u="none" strike="noStrike" cap="none" dirty="0">
-              <a:latin typeface="Arial"/>
-              <a:ea typeface="Arial"/>
-              <a:cs typeface="Arial"/>
-              <a:sym typeface="Arial"/>
-            </a:endParaRPr>
-          </a:p>
-        </p:txBody>
-      </p:sp>
-      <p:sp>
-        <p:nvSpPr>
-          <p:cNvPr id="2" name="TextBox 1">
-            <a:extLst>
-              <a:ext uri="{FF2B5EF4-FFF2-40B4-BE49-F238E27FC236}">
-                <a16:creationId xmlns:a16="http://schemas.microsoft.com/office/drawing/2014/main" id="{57B1274A-F103-6755-BB4C-F11BBBDDB070}"/>
-              </a:ext>
-            </a:extLst>
-          </p:cNvPr>
-          <p:cNvSpPr txBox="1"/>
-          <p:nvPr/>
-        </p:nvSpPr>
-        <p:spPr>
-          <a:xfrm flipH="1">
-            <a:off x="524927" y="562595"/>
-            <a:ext cx="5747535" cy="523220"/>
-          </a:xfrm>
-          <a:prstGeom prst="rect">
-            <a:avLst/>
-          </a:prstGeom>
-          <a:noFill/>
-        </p:spPr>
-        <p:txBody>
-          <a:bodyPr wrap="square" rtlCol="0">
-            <a:spAutoFit/>
-          </a:bodyPr>
-          <a:lstStyle/>
-          <a:p>
-            <a:r>
-              <a:rPr lang="en-US" sz="2800" dirty="0">
-                <a:latin typeface="mononoki NF" panose="00000809000000000000" pitchFamily="50" charset="0"/>
-              </a:rPr>
-              <a:t>Information Gain</a:t>
-            </a:r>
-          </a:p>
-        </p:txBody>
-      </p:sp>
-      <p:sp>
-        <p:nvSpPr>
-          <p:cNvPr id="17" name="TextBox 16">
-            <a:extLst>
-              <a:ext uri="{FF2B5EF4-FFF2-40B4-BE49-F238E27FC236}">
-                <a16:creationId xmlns:a16="http://schemas.microsoft.com/office/drawing/2014/main" id="{F4AD16F4-64E1-034A-0D85-D5014DF81A13}"/>
-              </a:ext>
-            </a:extLst>
-          </p:cNvPr>
-          <p:cNvSpPr txBox="1"/>
-          <p:nvPr/>
-        </p:nvSpPr>
-        <p:spPr>
-          <a:xfrm>
-            <a:off x="524927" y="1371088"/>
-            <a:ext cx="10917773" cy="369332"/>
-          </a:xfrm>
-          <a:prstGeom prst="rect">
-            <a:avLst/>
-          </a:prstGeom>
-          <a:noFill/>
-        </p:spPr>
-        <p:txBody>
-          <a:bodyPr wrap="square" rtlCol="0">
-            <a:spAutoFit/>
-          </a:bodyPr>
-          <a:lstStyle/>
-          <a:p>
-            <a:r>
-              <a:rPr lang="en-US" dirty="0"/>
-              <a:t>TODO</a:t>
-            </a:r>
-          </a:p>
-        </p:txBody>
-      </p:sp>
-    </p:spTree>
-    <p:extLst>
-      <p:ext uri="{BB962C8B-B14F-4D97-AF65-F5344CB8AC3E}">
-        <p14:creationId xmlns:p14="http://schemas.microsoft.com/office/powerpoint/2010/main" val="3299222231"/>
-      </p:ext>
-    </p:extLst>
-  </p:cSld>
-  <p:clrMapOvr>
-    <a:masterClrMapping/>
-  </p:clrMapOvr>
-</p:sld>
-</file>
-
-<file path=ppt/slides/slide19.xml><?xml version="1.0" encoding="utf-8"?>
-<p:sld xmlns:a="http://schemas.openxmlformats.org/drawingml/2006/main" xmlns:r="http://schemas.openxmlformats.org/officeDocument/2006/relationships" xmlns:p="http://schemas.openxmlformats.org/presentationml/2006/main">
-  <p:cSld>
-    <p:spTree>
-      <p:nvGrpSpPr>
-        <p:cNvPr id="1" name=""/>
-        <p:cNvGrpSpPr/>
-        <p:nvPr/>
-      </p:nvGrpSpPr>
-      <p:grpSpPr>
-        <a:xfrm>
-          <a:off x="0" y="0"/>
-          <a:ext cx="0" cy="0"/>
-          <a:chOff x="0" y="0"/>
-          <a:chExt cx="0" cy="0"/>
-        </a:xfrm>
-      </p:grpSpPr>
-      <p:sp>
-        <p:nvSpPr>
-          <p:cNvPr id="4" name="Google Shape;28;p4">
-            <a:extLst>
-              <a:ext uri="{FF2B5EF4-FFF2-40B4-BE49-F238E27FC236}">
-                <a16:creationId xmlns:a16="http://schemas.microsoft.com/office/drawing/2014/main" id="{AE8634E0-9714-33FD-74AA-29D70D636836}"/>
-              </a:ext>
-            </a:extLst>
-          </p:cNvPr>
-          <p:cNvSpPr txBox="1"/>
-          <p:nvPr/>
-        </p:nvSpPr>
-        <p:spPr>
-          <a:xfrm>
-            <a:off x="369202" y="134245"/>
-            <a:ext cx="5390154" cy="251072"/>
-          </a:xfrm>
-          <a:prstGeom prst="rect">
-            <a:avLst/>
-          </a:prstGeom>
-          <a:noFill/>
-          <a:ln>
-            <a:noFill/>
-          </a:ln>
-        </p:spPr>
-        <p:txBody>
-          <a:bodyPr spcFirstLastPara="1" wrap="square" lIns="91425" tIns="45700" rIns="91425" bIns="45700" anchor="ctr" anchorCtr="0">
-            <a:noAutofit/>
-          </a:bodyPr>
-          <a:lstStyle/>
-          <a:p>
-            <a:pPr marL="0" marR="0" lvl="0" indent="0" algn="l" rtl="0">
-              <a:lnSpc>
-                <a:spcPct val="100000"/>
-              </a:lnSpc>
-              <a:spcBef>
-                <a:spcPts val="0"/>
-              </a:spcBef>
-              <a:spcAft>
-                <a:spcPts val="0"/>
-              </a:spcAft>
-              <a:buClr>
-                <a:schemeClr val="lt1"/>
-              </a:buClr>
-              <a:buSzPts val="1200"/>
-              <a:buFont typeface="Calibri"/>
-              <a:buNone/>
-            </a:pPr>
-            <a:r>
-              <a:rPr lang="en-US" sz="1200" dirty="0">
-                <a:latin typeface="Calibri"/>
-                <a:ea typeface="Arial"/>
-                <a:cs typeface="Calibri"/>
-                <a:sym typeface="Calibri"/>
-              </a:rPr>
-              <a:t>my humble ML course</a:t>
-            </a:r>
-            <a:endParaRPr lang="en-US" sz="1400" b="0" i="0" u="none" strike="noStrike" cap="none" dirty="0">
-              <a:latin typeface="Arial"/>
-              <a:ea typeface="Arial"/>
-              <a:cs typeface="Arial"/>
-              <a:sym typeface="Arial"/>
-            </a:endParaRPr>
-          </a:p>
-        </p:txBody>
-      </p:sp>
-      <p:sp>
-        <p:nvSpPr>
-          <p:cNvPr id="2" name="TextBox 1">
-            <a:extLst>
-              <a:ext uri="{FF2B5EF4-FFF2-40B4-BE49-F238E27FC236}">
-                <a16:creationId xmlns:a16="http://schemas.microsoft.com/office/drawing/2014/main" id="{57B1274A-F103-6755-BB4C-F11BBBDDB070}"/>
-              </a:ext>
-            </a:extLst>
-          </p:cNvPr>
-          <p:cNvSpPr txBox="1"/>
-          <p:nvPr/>
-        </p:nvSpPr>
-        <p:spPr>
-          <a:xfrm flipH="1">
-            <a:off x="524927" y="562595"/>
-            <a:ext cx="5747535" cy="523220"/>
-          </a:xfrm>
-          <a:prstGeom prst="rect">
-            <a:avLst/>
-          </a:prstGeom>
-          <a:noFill/>
-        </p:spPr>
-        <p:txBody>
-          <a:bodyPr wrap="square" rtlCol="0">
-            <a:spAutoFit/>
-          </a:bodyPr>
-          <a:lstStyle/>
-          <a:p>
-            <a:r>
-              <a:rPr lang="en-US" sz="2800" dirty="0">
-                <a:latin typeface="mononoki NF" panose="00000809000000000000" pitchFamily="50" charset="0"/>
-              </a:rPr>
-              <a:t>Entropy</a:t>
-            </a:r>
-          </a:p>
-        </p:txBody>
-      </p:sp>
-      <p:sp>
-        <p:nvSpPr>
-          <p:cNvPr id="17" name="TextBox 16">
-            <a:extLst>
-              <a:ext uri="{FF2B5EF4-FFF2-40B4-BE49-F238E27FC236}">
-                <a16:creationId xmlns:a16="http://schemas.microsoft.com/office/drawing/2014/main" id="{F4AD16F4-64E1-034A-0D85-D5014DF81A13}"/>
-              </a:ext>
-            </a:extLst>
-          </p:cNvPr>
-          <p:cNvSpPr txBox="1"/>
-          <p:nvPr/>
-        </p:nvSpPr>
-        <p:spPr>
-          <a:xfrm>
-            <a:off x="524927" y="1371088"/>
-            <a:ext cx="10917773" cy="369332"/>
-          </a:xfrm>
-          <a:prstGeom prst="rect">
-            <a:avLst/>
-          </a:prstGeom>
-          <a:noFill/>
-        </p:spPr>
-        <p:txBody>
-          <a:bodyPr wrap="square" rtlCol="0">
-            <a:spAutoFit/>
-          </a:bodyPr>
-          <a:lstStyle/>
-          <a:p>
-            <a:r>
-              <a:rPr lang="en-US" dirty="0"/>
-              <a:t>TODO</a:t>
-            </a:r>
-          </a:p>
-        </p:txBody>
-      </p:sp>
-    </p:spTree>
-    <p:extLst>
-      <p:ext uri="{BB962C8B-B14F-4D97-AF65-F5344CB8AC3E}">
-        <p14:creationId xmlns:p14="http://schemas.microsoft.com/office/powerpoint/2010/main" val="4283116095"/>
       </p:ext>
     </p:extLst>
   </p:cSld>
@@ -8219,6 +8421,342 @@
 </file>
 
 <file path=ppt/slides/slide20.xml><?xml version="1.0" encoding="utf-8"?>
+<p:sld xmlns:a="http://schemas.openxmlformats.org/drawingml/2006/main" xmlns:r="http://schemas.openxmlformats.org/officeDocument/2006/relationships" xmlns:p="http://schemas.openxmlformats.org/presentationml/2006/main">
+  <p:cSld>
+    <p:spTree>
+      <p:nvGrpSpPr>
+        <p:cNvPr id="1" name=""/>
+        <p:cNvGrpSpPr/>
+        <p:nvPr/>
+      </p:nvGrpSpPr>
+      <p:grpSpPr>
+        <a:xfrm>
+          <a:off x="0" y="0"/>
+          <a:ext cx="0" cy="0"/>
+          <a:chOff x="0" y="0"/>
+          <a:chExt cx="0" cy="0"/>
+        </a:xfrm>
+      </p:grpSpPr>
+      <p:sp>
+        <p:nvSpPr>
+          <p:cNvPr id="4" name="Google Shape;28;p4">
+            <a:extLst>
+              <a:ext uri="{FF2B5EF4-FFF2-40B4-BE49-F238E27FC236}">
+                <a16:creationId xmlns:a16="http://schemas.microsoft.com/office/drawing/2014/main" id="{AE8634E0-9714-33FD-74AA-29D70D636836}"/>
+              </a:ext>
+            </a:extLst>
+          </p:cNvPr>
+          <p:cNvSpPr txBox="1"/>
+          <p:nvPr/>
+        </p:nvSpPr>
+        <p:spPr>
+          <a:xfrm>
+            <a:off x="369202" y="134245"/>
+            <a:ext cx="5390154" cy="251072"/>
+          </a:xfrm>
+          <a:prstGeom prst="rect">
+            <a:avLst/>
+          </a:prstGeom>
+          <a:noFill/>
+          <a:ln>
+            <a:noFill/>
+          </a:ln>
+        </p:spPr>
+        <p:txBody>
+          <a:bodyPr spcFirstLastPara="1" wrap="square" lIns="91425" tIns="45700" rIns="91425" bIns="45700" anchor="ctr" anchorCtr="0">
+            <a:noAutofit/>
+          </a:bodyPr>
+          <a:lstStyle/>
+          <a:p>
+            <a:pPr marL="0" marR="0" lvl="0" indent="0" algn="l" rtl="0">
+              <a:lnSpc>
+                <a:spcPct val="100000"/>
+              </a:lnSpc>
+              <a:spcBef>
+                <a:spcPts val="0"/>
+              </a:spcBef>
+              <a:spcAft>
+                <a:spcPts val="0"/>
+              </a:spcAft>
+              <a:buClr>
+                <a:schemeClr val="lt1"/>
+              </a:buClr>
+              <a:buSzPts val="1200"/>
+              <a:buFont typeface="Calibri"/>
+              <a:buNone/>
+            </a:pPr>
+            <a:r>
+              <a:rPr lang="en-US" sz="1200" dirty="0">
+                <a:latin typeface="Calibri"/>
+                <a:ea typeface="Arial"/>
+                <a:cs typeface="Calibri"/>
+                <a:sym typeface="Calibri"/>
+              </a:rPr>
+              <a:t>my humble ML course</a:t>
+            </a:r>
+            <a:endParaRPr lang="en-US" sz="1400" b="0" i="0" u="none" strike="noStrike" cap="none" dirty="0">
+              <a:latin typeface="Arial"/>
+              <a:ea typeface="Arial"/>
+              <a:cs typeface="Arial"/>
+              <a:sym typeface="Arial"/>
+            </a:endParaRPr>
+          </a:p>
+        </p:txBody>
+      </p:sp>
+      <p:sp>
+        <p:nvSpPr>
+          <p:cNvPr id="2" name="TextBox 1">
+            <a:extLst>
+              <a:ext uri="{FF2B5EF4-FFF2-40B4-BE49-F238E27FC236}">
+                <a16:creationId xmlns:a16="http://schemas.microsoft.com/office/drawing/2014/main" id="{57B1274A-F103-6755-BB4C-F11BBBDDB070}"/>
+              </a:ext>
+            </a:extLst>
+          </p:cNvPr>
+          <p:cNvSpPr txBox="1"/>
+          <p:nvPr/>
+        </p:nvSpPr>
+        <p:spPr>
+          <a:xfrm flipH="1">
+            <a:off x="524927" y="562595"/>
+            <a:ext cx="5747535" cy="523220"/>
+          </a:xfrm>
+          <a:prstGeom prst="rect">
+            <a:avLst/>
+          </a:prstGeom>
+          <a:noFill/>
+        </p:spPr>
+        <p:txBody>
+          <a:bodyPr wrap="square" rtlCol="0">
+            <a:spAutoFit/>
+          </a:bodyPr>
+          <a:lstStyle/>
+          <a:p>
+            <a:r>
+              <a:rPr lang="en-US" sz="2800" dirty="0">
+                <a:latin typeface="mononoki NF" panose="00000809000000000000" pitchFamily="50" charset="0"/>
+              </a:rPr>
+              <a:t>Information Gain</a:t>
+            </a:r>
+          </a:p>
+        </p:txBody>
+      </p:sp>
+      <p:sp>
+        <p:nvSpPr>
+          <p:cNvPr id="17" name="TextBox 16">
+            <a:extLst>
+              <a:ext uri="{FF2B5EF4-FFF2-40B4-BE49-F238E27FC236}">
+                <a16:creationId xmlns:a16="http://schemas.microsoft.com/office/drawing/2014/main" id="{F4AD16F4-64E1-034A-0D85-D5014DF81A13}"/>
+              </a:ext>
+            </a:extLst>
+          </p:cNvPr>
+          <p:cNvSpPr txBox="1"/>
+          <p:nvPr/>
+        </p:nvSpPr>
+        <p:spPr>
+          <a:xfrm>
+            <a:off x="524927" y="1371088"/>
+            <a:ext cx="10917773" cy="369332"/>
+          </a:xfrm>
+          <a:prstGeom prst="rect">
+            <a:avLst/>
+          </a:prstGeom>
+          <a:noFill/>
+        </p:spPr>
+        <p:txBody>
+          <a:bodyPr wrap="square" rtlCol="0">
+            <a:spAutoFit/>
+          </a:bodyPr>
+          <a:lstStyle/>
+          <a:p>
+            <a:r>
+              <a:rPr lang="en-US" dirty="0"/>
+              <a:t>TODO</a:t>
+            </a:r>
+          </a:p>
+        </p:txBody>
+      </p:sp>
+    </p:spTree>
+    <p:extLst>
+      <p:ext uri="{BB962C8B-B14F-4D97-AF65-F5344CB8AC3E}">
+        <p14:creationId xmlns:p14="http://schemas.microsoft.com/office/powerpoint/2010/main" val="3299222231"/>
+      </p:ext>
+    </p:extLst>
+  </p:cSld>
+  <p:clrMapOvr>
+    <a:masterClrMapping/>
+  </p:clrMapOvr>
+</p:sld>
+</file>
+
+<file path=ppt/slides/slide21.xml><?xml version="1.0" encoding="utf-8"?>
+<p:sld xmlns:a="http://schemas.openxmlformats.org/drawingml/2006/main" xmlns:r="http://schemas.openxmlformats.org/officeDocument/2006/relationships" xmlns:p="http://schemas.openxmlformats.org/presentationml/2006/main">
+  <p:cSld>
+    <p:spTree>
+      <p:nvGrpSpPr>
+        <p:cNvPr id="1" name=""/>
+        <p:cNvGrpSpPr/>
+        <p:nvPr/>
+      </p:nvGrpSpPr>
+      <p:grpSpPr>
+        <a:xfrm>
+          <a:off x="0" y="0"/>
+          <a:ext cx="0" cy="0"/>
+          <a:chOff x="0" y="0"/>
+          <a:chExt cx="0" cy="0"/>
+        </a:xfrm>
+      </p:grpSpPr>
+      <p:sp>
+        <p:nvSpPr>
+          <p:cNvPr id="4" name="Google Shape;28;p4">
+            <a:extLst>
+              <a:ext uri="{FF2B5EF4-FFF2-40B4-BE49-F238E27FC236}">
+                <a16:creationId xmlns:a16="http://schemas.microsoft.com/office/drawing/2014/main" id="{AE8634E0-9714-33FD-74AA-29D70D636836}"/>
+              </a:ext>
+            </a:extLst>
+          </p:cNvPr>
+          <p:cNvSpPr txBox="1"/>
+          <p:nvPr/>
+        </p:nvSpPr>
+        <p:spPr>
+          <a:xfrm>
+            <a:off x="369202" y="134245"/>
+            <a:ext cx="5390154" cy="251072"/>
+          </a:xfrm>
+          <a:prstGeom prst="rect">
+            <a:avLst/>
+          </a:prstGeom>
+          <a:noFill/>
+          <a:ln>
+            <a:noFill/>
+          </a:ln>
+        </p:spPr>
+        <p:txBody>
+          <a:bodyPr spcFirstLastPara="1" wrap="square" lIns="91425" tIns="45700" rIns="91425" bIns="45700" anchor="ctr" anchorCtr="0">
+            <a:noAutofit/>
+          </a:bodyPr>
+          <a:lstStyle/>
+          <a:p>
+            <a:pPr marL="0" marR="0" lvl="0" indent="0" algn="l" rtl="0">
+              <a:lnSpc>
+                <a:spcPct val="100000"/>
+              </a:lnSpc>
+              <a:spcBef>
+                <a:spcPts val="0"/>
+              </a:spcBef>
+              <a:spcAft>
+                <a:spcPts val="0"/>
+              </a:spcAft>
+              <a:buClr>
+                <a:schemeClr val="lt1"/>
+              </a:buClr>
+              <a:buSzPts val="1200"/>
+              <a:buFont typeface="Calibri"/>
+              <a:buNone/>
+            </a:pPr>
+            <a:r>
+              <a:rPr lang="en-US" sz="1200" dirty="0">
+                <a:latin typeface="Calibri"/>
+                <a:ea typeface="Arial"/>
+                <a:cs typeface="Calibri"/>
+                <a:sym typeface="Calibri"/>
+              </a:rPr>
+              <a:t>my humble ML course</a:t>
+            </a:r>
+            <a:endParaRPr lang="en-US" sz="1400" b="0" i="0" u="none" strike="noStrike" cap="none" dirty="0">
+              <a:latin typeface="Arial"/>
+              <a:ea typeface="Arial"/>
+              <a:cs typeface="Arial"/>
+              <a:sym typeface="Arial"/>
+            </a:endParaRPr>
+          </a:p>
+        </p:txBody>
+      </p:sp>
+      <p:sp>
+        <p:nvSpPr>
+          <p:cNvPr id="2" name="TextBox 1">
+            <a:extLst>
+              <a:ext uri="{FF2B5EF4-FFF2-40B4-BE49-F238E27FC236}">
+                <a16:creationId xmlns:a16="http://schemas.microsoft.com/office/drawing/2014/main" id="{57B1274A-F103-6755-BB4C-F11BBBDDB070}"/>
+              </a:ext>
+            </a:extLst>
+          </p:cNvPr>
+          <p:cNvSpPr txBox="1"/>
+          <p:nvPr/>
+        </p:nvSpPr>
+        <p:spPr>
+          <a:xfrm flipH="1">
+            <a:off x="524927" y="562595"/>
+            <a:ext cx="5747535" cy="523220"/>
+          </a:xfrm>
+          <a:prstGeom prst="rect">
+            <a:avLst/>
+          </a:prstGeom>
+          <a:noFill/>
+        </p:spPr>
+        <p:txBody>
+          <a:bodyPr wrap="square" rtlCol="0">
+            <a:spAutoFit/>
+          </a:bodyPr>
+          <a:lstStyle/>
+          <a:p>
+            <a:r>
+              <a:rPr lang="en-US" sz="2800" dirty="0">
+                <a:latin typeface="mononoki NF" panose="00000809000000000000" pitchFamily="50" charset="0"/>
+              </a:rPr>
+              <a:t>Entropy</a:t>
+            </a:r>
+          </a:p>
+        </p:txBody>
+      </p:sp>
+      <p:sp>
+        <p:nvSpPr>
+          <p:cNvPr id="17" name="TextBox 16">
+            <a:extLst>
+              <a:ext uri="{FF2B5EF4-FFF2-40B4-BE49-F238E27FC236}">
+                <a16:creationId xmlns:a16="http://schemas.microsoft.com/office/drawing/2014/main" id="{F4AD16F4-64E1-034A-0D85-D5014DF81A13}"/>
+              </a:ext>
+            </a:extLst>
+          </p:cNvPr>
+          <p:cNvSpPr txBox="1"/>
+          <p:nvPr/>
+        </p:nvSpPr>
+        <p:spPr>
+          <a:xfrm>
+            <a:off x="524927" y="1371088"/>
+            <a:ext cx="10917773" cy="369332"/>
+          </a:xfrm>
+          <a:prstGeom prst="rect">
+            <a:avLst/>
+          </a:prstGeom>
+          <a:noFill/>
+        </p:spPr>
+        <p:txBody>
+          <a:bodyPr wrap="square" rtlCol="0">
+            <a:spAutoFit/>
+          </a:bodyPr>
+          <a:lstStyle/>
+          <a:p>
+            <a:r>
+              <a:rPr lang="en-US" dirty="0"/>
+              <a:t>TODO</a:t>
+            </a:r>
+          </a:p>
+        </p:txBody>
+      </p:sp>
+    </p:spTree>
+    <p:extLst>
+      <p:ext uri="{BB962C8B-B14F-4D97-AF65-F5344CB8AC3E}">
+        <p14:creationId xmlns:p14="http://schemas.microsoft.com/office/powerpoint/2010/main" val="4283116095"/>
+      </p:ext>
+    </p:extLst>
+  </p:cSld>
+  <p:clrMapOvr>
+    <a:masterClrMapping/>
+  </p:clrMapOvr>
+</p:sld>
+</file>
+
+<file path=ppt/slides/slide22.xml><?xml version="1.0" encoding="utf-8"?>
 <p:sld xmlns:a="http://schemas.openxmlformats.org/drawingml/2006/main" xmlns:r="http://schemas.openxmlformats.org/officeDocument/2006/relationships" xmlns:p="http://schemas.openxmlformats.org/presentationml/2006/main">
   <p:cSld>
     <p:spTree>
@@ -9616,7 +10154,7 @@
               <a:rPr lang="en-US" sz="2800" dirty="0">
                 <a:latin typeface="mononoki NF" panose="00000809000000000000" pitchFamily="50" charset="0"/>
               </a:rPr>
-              <a:t>Decision Regions</a:t>
+              <a:t>Decision boundaries</a:t>
             </a:r>
           </a:p>
         </p:txBody>
@@ -9651,45 +10189,62 @@
           <a:p>
             <a:r>
               <a:rPr lang="en-US" dirty="0"/>
-              <a:t>Decision regions are separated by surfaces called decision-boundaries (SVM)</a:t>
+              <a:t>Surface separating different decision regions</a:t>
             </a:r>
           </a:p>
         </p:txBody>
       </p:sp>
       <p:pic>
         <p:nvPicPr>
-          <p:cNvPr id="3" name="Picture 2">
-            <a:extLst>
-              <a:ext uri="{FF2B5EF4-FFF2-40B4-BE49-F238E27FC236}">
-                <a16:creationId xmlns:a16="http://schemas.microsoft.com/office/drawing/2014/main" id="{43A5FAF4-162A-611B-69DA-5B68B0D9970D}"/>
+          <p:cNvPr id="1026" name="Picture 2" descr="Example of overfitting in classification. (a) Decision boundary that... |  Download Scientific Diagram">
+            <a:extLst>
+              <a:ext uri="{FF2B5EF4-FFF2-40B4-BE49-F238E27FC236}">
+                <a16:creationId xmlns:a16="http://schemas.microsoft.com/office/drawing/2014/main" id="{61E3A820-1D43-FE83-D5B3-4DBB3899FF3C}"/>
               </a:ext>
             </a:extLst>
           </p:cNvPr>
           <p:cNvPicPr>
-            <a:picLocks noChangeAspect="1"/>
+            <a:picLocks noChangeAspect="1" noChangeArrowheads="1"/>
           </p:cNvPicPr>
           <p:nvPr/>
         </p:nvPicPr>
         <p:blipFill>
-          <a:blip r:embed="rId3"/>
+          <a:blip r:embed="rId3">
+            <a:extLst>
+              <a:ext uri="{28A0092B-C50C-407E-A947-70E740481C1C}">
+                <a14:useLocalDpi xmlns:a14="http://schemas.microsoft.com/office/drawing/2010/main" val="0"/>
+              </a:ext>
+            </a:extLst>
+          </a:blip>
+          <a:srcRect/>
           <a:stretch>
             <a:fillRect/>
           </a:stretch>
         </p:blipFill>
-        <p:spPr>
+        <p:spPr bwMode="auto">
           <a:xfrm>
-            <a:off x="1211222" y="1838977"/>
-            <a:ext cx="9769555" cy="4884778"/>
+            <a:off x="971429" y="2060056"/>
+            <a:ext cx="9685864" cy="3657838"/>
           </a:xfrm>
           <a:prstGeom prst="rect">
             <a:avLst/>
           </a:prstGeom>
+          <a:noFill/>
+          <a:extLst>
+            <a:ext uri="{909E8E84-426E-40DD-AFC4-6F175D3DCCD1}">
+              <a14:hiddenFill xmlns:a14="http://schemas.microsoft.com/office/drawing/2010/main">
+                <a:solidFill>
+                  <a:srgbClr val="FFFFFF"/>
+                </a:solidFill>
+              </a14:hiddenFill>
+            </a:ext>
+          </a:extLst>
         </p:spPr>
       </p:pic>
     </p:spTree>
     <p:extLst>
       <p:ext uri="{BB962C8B-B14F-4D97-AF65-F5344CB8AC3E}">
-        <p14:creationId xmlns:p14="http://schemas.microsoft.com/office/powerpoint/2010/main" val="3184627239"/>
+        <p14:creationId xmlns:p14="http://schemas.microsoft.com/office/powerpoint/2010/main" val="3037585119"/>
       </p:ext>
     </p:extLst>
   </p:cSld>
@@ -9814,7 +10369,49 @@
               <a:rPr lang="en-US" sz="2800" dirty="0">
                 <a:latin typeface="mononoki NF" panose="00000809000000000000" pitchFamily="50" charset="0"/>
               </a:rPr>
-              <a:t>Decision boundaries</a:t>
+              <a:t>Decision Regions</a:t>
+            </a:r>
+          </a:p>
+        </p:txBody>
+      </p:sp>
+      <p:sp>
+        <p:nvSpPr>
+          <p:cNvPr id="17" name="TextBox 16">
+            <a:extLst>
+              <a:ext uri="{FF2B5EF4-FFF2-40B4-BE49-F238E27FC236}">
+                <a16:creationId xmlns:a16="http://schemas.microsoft.com/office/drawing/2014/main" id="{F4AD16F4-64E1-034A-0D85-D5014DF81A13}"/>
+              </a:ext>
+            </a:extLst>
+          </p:cNvPr>
+          <p:cNvSpPr txBox="1"/>
+          <p:nvPr/>
+        </p:nvSpPr>
+        <p:spPr>
+          <a:xfrm>
+            <a:off x="524927" y="1371088"/>
+            <a:ext cx="10917773" cy="646331"/>
+          </a:xfrm>
+          <a:prstGeom prst="rect">
+            <a:avLst/>
+          </a:prstGeom>
+          <a:noFill/>
+        </p:spPr>
+        <p:txBody>
+          <a:bodyPr wrap="square" rtlCol="0">
+            <a:spAutoFit/>
+          </a:bodyPr>
+          <a:lstStyle/>
+          <a:p>
+            <a:r>
+              <a:rPr lang="en-US" dirty="0"/>
+              <a:t>Region in feature space where all instances are assigned to one class label</a:t>
+            </a:r>
+            <a:br>
+              <a:rPr lang="en-US" dirty="0"/>
+            </a:br>
+            <a:r>
+              <a:rPr lang="en-US" dirty="0"/>
+              <a:t>Decision regions are separated by surfaces called decision-boundaries (SVM)</a:t>
             </a:r>
           </a:p>
         </p:txBody>
@@ -9833,44 +10430,16 @@
           </p:cNvPicPr>
           <p:nvPr/>
         </p:nvPicPr>
-        <p:blipFill rotWithShape="1">
+        <p:blipFill>
           <a:blip r:embed="rId3"/>
-          <a:srcRect l="5426" r="4896"/>
-          <a:stretch/>
+          <a:stretch>
+            <a:fillRect/>
+          </a:stretch>
         </p:blipFill>
         <p:spPr>
           <a:xfrm>
-            <a:off x="0" y="1926672"/>
-            <a:ext cx="6400800" cy="3568779"/>
-          </a:xfrm>
-          <a:prstGeom prst="rect">
-            <a:avLst/>
-          </a:prstGeom>
-        </p:spPr>
-      </p:pic>
-      <p:pic>
-        <p:nvPicPr>
-          <p:cNvPr id="5" name="Picture 4">
-            <a:extLst>
-              <a:ext uri="{FF2B5EF4-FFF2-40B4-BE49-F238E27FC236}">
-                <a16:creationId xmlns:a16="http://schemas.microsoft.com/office/drawing/2014/main" id="{7D492591-7ADD-3900-FD66-86EAE3129F6A}"/>
-              </a:ext>
-            </a:extLst>
-          </p:cNvPr>
-          <p:cNvPicPr>
-            <a:picLocks noChangeAspect="1"/>
-          </p:cNvPicPr>
-          <p:nvPr/>
-        </p:nvPicPr>
-        <p:blipFill rotWithShape="1">
-          <a:blip r:embed="rId4"/>
-          <a:srcRect r="48636"/>
-          <a:stretch/>
-        </p:blipFill>
-        <p:spPr>
-          <a:xfrm>
-            <a:off x="6599094" y="1424762"/>
-            <a:ext cx="5260120" cy="4572601"/>
+            <a:off x="1687844" y="2315599"/>
+            <a:ext cx="8816311" cy="4408156"/>
           </a:xfrm>
           <a:prstGeom prst="rect">
             <a:avLst/>
@@ -9880,7 +10449,7 @@
     </p:spTree>
     <p:extLst>
       <p:ext uri="{BB962C8B-B14F-4D97-AF65-F5344CB8AC3E}">
-        <p14:creationId xmlns:p14="http://schemas.microsoft.com/office/powerpoint/2010/main" val="2216974522"/>
+        <p14:creationId xmlns:p14="http://schemas.microsoft.com/office/powerpoint/2010/main" val="3184627239"/>
       </p:ext>
     </p:extLst>
   </p:cSld>
@@ -9973,12 +10542,49 @@
           </a:p>
         </p:txBody>
       </p:sp>
+      <p:sp>
+        <p:nvSpPr>
+          <p:cNvPr id="2" name="TextBox 1">
+            <a:extLst>
+              <a:ext uri="{FF2B5EF4-FFF2-40B4-BE49-F238E27FC236}">
+                <a16:creationId xmlns:a16="http://schemas.microsoft.com/office/drawing/2014/main" id="{57B1274A-F103-6755-BB4C-F11BBBDDB070}"/>
+              </a:ext>
+            </a:extLst>
+          </p:cNvPr>
+          <p:cNvSpPr txBox="1"/>
+          <p:nvPr/>
+        </p:nvSpPr>
+        <p:spPr>
+          <a:xfrm flipH="1">
+            <a:off x="524927" y="562595"/>
+            <a:ext cx="5747535" cy="523220"/>
+          </a:xfrm>
+          <a:prstGeom prst="rect">
+            <a:avLst/>
+          </a:prstGeom>
+          <a:noFill/>
+        </p:spPr>
+        <p:txBody>
+          <a:bodyPr wrap="square" rtlCol="0">
+            <a:spAutoFit/>
+          </a:bodyPr>
+          <a:lstStyle/>
+          <a:p>
+            <a:r>
+              <a:rPr lang="en-US" sz="2800" dirty="0">
+                <a:latin typeface="mononoki NF" panose="00000809000000000000" pitchFamily="50" charset="0"/>
+              </a:rPr>
+              <a:t>Decision boundaries</a:t>
+            </a:r>
+          </a:p>
+        </p:txBody>
+      </p:sp>
       <p:pic>
         <p:nvPicPr>
-          <p:cNvPr id="5" name="Picture 4">
-            <a:extLst>
-              <a:ext uri="{FF2B5EF4-FFF2-40B4-BE49-F238E27FC236}">
-                <a16:creationId xmlns:a16="http://schemas.microsoft.com/office/drawing/2014/main" id="{048CB0BE-D514-A7B9-92EC-80EBF2B7180A}"/>
+          <p:cNvPr id="3" name="Picture 2">
+            <a:extLst>
+              <a:ext uri="{FF2B5EF4-FFF2-40B4-BE49-F238E27FC236}">
+                <a16:creationId xmlns:a16="http://schemas.microsoft.com/office/drawing/2014/main" id="{43A5FAF4-162A-611B-69DA-5B68B0D9970D}"/>
               </a:ext>
             </a:extLst>
           </p:cNvPr>
@@ -9987,63 +10593,54 @@
           </p:cNvPicPr>
           <p:nvPr/>
         </p:nvPicPr>
-        <p:blipFill>
+        <p:blipFill rotWithShape="1">
           <a:blip r:embed="rId3"/>
-          <a:stretch>
-            <a:fillRect/>
-          </a:stretch>
+          <a:srcRect l="5426" r="4896"/>
+          <a:stretch/>
         </p:blipFill>
         <p:spPr>
           <a:xfrm>
-            <a:off x="176443" y="1407701"/>
-            <a:ext cx="11703193" cy="5225520"/>
+            <a:off x="0" y="1926672"/>
+            <a:ext cx="6400800" cy="3568779"/>
           </a:xfrm>
           <a:prstGeom prst="rect">
             <a:avLst/>
           </a:prstGeom>
         </p:spPr>
       </p:pic>
-      <p:sp>
-        <p:nvSpPr>
-          <p:cNvPr id="2" name="TextBox 1">
-            <a:extLst>
-              <a:ext uri="{FF2B5EF4-FFF2-40B4-BE49-F238E27FC236}">
-                <a16:creationId xmlns:a16="http://schemas.microsoft.com/office/drawing/2014/main" id="{1E5C00F0-5262-FF11-94EC-064E0A60D897}"/>
-              </a:ext>
-            </a:extLst>
-          </p:cNvPr>
-          <p:cNvSpPr txBox="1"/>
+      <p:pic>
+        <p:nvPicPr>
+          <p:cNvPr id="5" name="Picture 4">
+            <a:extLst>
+              <a:ext uri="{FF2B5EF4-FFF2-40B4-BE49-F238E27FC236}">
+                <a16:creationId xmlns:a16="http://schemas.microsoft.com/office/drawing/2014/main" id="{7D492591-7ADD-3900-FD66-86EAE3129F6A}"/>
+              </a:ext>
+            </a:extLst>
+          </p:cNvPr>
+          <p:cNvPicPr>
+            <a:picLocks noChangeAspect="1"/>
+          </p:cNvPicPr>
           <p:nvPr/>
-        </p:nvSpPr>
+        </p:nvPicPr>
+        <p:blipFill rotWithShape="1">
+          <a:blip r:embed="rId4"/>
+          <a:srcRect r="48636"/>
+          <a:stretch/>
+        </p:blipFill>
         <p:spPr>
-          <a:xfrm flipH="1">
-            <a:off x="524927" y="562595"/>
-            <a:ext cx="9869139" cy="523220"/>
+          <a:xfrm>
+            <a:off x="6599094" y="1424762"/>
+            <a:ext cx="5260120" cy="4572601"/>
           </a:xfrm>
           <a:prstGeom prst="rect">
             <a:avLst/>
           </a:prstGeom>
-          <a:noFill/>
         </p:spPr>
-        <p:txBody>
-          <a:bodyPr wrap="square" rtlCol="0">
-            <a:spAutoFit/>
-          </a:bodyPr>
-          <a:lstStyle/>
-          <a:p>
-            <a:r>
-              <a:rPr lang="en-US" sz="2800" dirty="0">
-                <a:latin typeface="mononoki NF" panose="00000809000000000000" pitchFamily="50" charset="0"/>
-              </a:rPr>
-              <a:t>Classifier (binary)</a:t>
-            </a:r>
-          </a:p>
-        </p:txBody>
-      </p:sp>
+      </p:pic>
     </p:spTree>
     <p:extLst>
       <p:ext uri="{BB962C8B-B14F-4D97-AF65-F5344CB8AC3E}">
-        <p14:creationId xmlns:p14="http://schemas.microsoft.com/office/powerpoint/2010/main" val="4164186841"/>
+        <p14:creationId xmlns:p14="http://schemas.microsoft.com/office/powerpoint/2010/main" val="2216974522"/>
       </p:ext>
     </p:extLst>
   </p:cSld>
